--- a/11-Planning and Debugging/11-Open Source and Open Data.pptx
+++ b/11-Planning and Debugging/11-Open Source and Open Data.pptx
@@ -239,6 +239,35 @@
 </p:cmAuthorLst>
 </file>
 
+<file path=ppt/changesInfos/changesInfo1.xml><?xml version="1.0" encoding="utf-8"?>
+<pc:chgInfo xmlns:a="http://schemas.openxmlformats.org/drawingml/2006/main" xmlns:r="http://schemas.openxmlformats.org/officeDocument/2006/relationships" xmlns:ac="http://schemas.microsoft.com/office/drawing/2013/main/command" xmlns:pc="http://schemas.microsoft.com/office/powerpoint/2013/main/command">
+  <pc:docChgLst>
+    <pc:chgData name="michelle imarah" userId="8180f1272b23fcfc" providerId="LiveId" clId="{68C4736C-6E53-4AA4-AB6C-DDA03B99AF6B}"/>
+    <pc:docChg chg="modSld">
+      <pc:chgData name="michelle imarah" userId="8180f1272b23fcfc" providerId="LiveId" clId="{68C4736C-6E53-4AA4-AB6C-DDA03B99AF6B}" dt="2022-03-29T17:46:28.680" v="1" actId="1036"/>
+      <pc:docMkLst>
+        <pc:docMk/>
+      </pc:docMkLst>
+      <pc:sldChg chg="modSp mod">
+        <pc:chgData name="michelle imarah" userId="8180f1272b23fcfc" providerId="LiveId" clId="{68C4736C-6E53-4AA4-AB6C-DDA03B99AF6B}" dt="2022-03-29T17:46:28.680" v="1" actId="1036"/>
+        <pc:sldMkLst>
+          <pc:docMk/>
+          <pc:sldMk cId="861853868" sldId="271"/>
+        </pc:sldMkLst>
+        <pc:picChg chg="mod">
+          <ac:chgData name="michelle imarah" userId="8180f1272b23fcfc" providerId="LiveId" clId="{68C4736C-6E53-4AA4-AB6C-DDA03B99AF6B}" dt="2022-03-29T17:46:28.680" v="1" actId="1036"/>
+          <ac:picMkLst>
+            <pc:docMk/>
+            <pc:sldMk cId="861853868" sldId="271"/>
+            <ac:picMk id="6" creationId="{00000000-0000-0000-0000-000000000000}"/>
+          </ac:picMkLst>
+        </pc:picChg>
+      </pc:sldChg>
+    </pc:docChg>
+  </pc:docChgLst>
+</pc:chgInfo>
+</file>
+
 <file path=ppt/handoutMasters/handoutMaster1.xml><?xml version="1.0" encoding="utf-8"?>
 <p:handoutMaster xmlns:a="http://schemas.openxmlformats.org/drawingml/2006/main" xmlns:r="http://schemas.openxmlformats.org/officeDocument/2006/relationships" xmlns:p="http://schemas.openxmlformats.org/presentationml/2006/main">
   <p:cSld>
@@ -486,7 +515,7 @@
             <a:fld id="{B1986778-4955-48BF-B9A5-723767A6F1B2}" type="datetimeFigureOut">
               <a:rPr lang="en-US" smtClean="0"/>
               <a:pPr/>
-              <a:t>3/4/2021</a:t>
+              <a:t>3/29/2022</a:t>
             </a:fld>
             <a:endParaRPr lang="en-GB" dirty="0"/>
           </a:p>
@@ -4296,7 +4325,7 @@
         </p:blipFill>
         <p:spPr>
           <a:xfrm>
-            <a:off x="611560" y="2978950"/>
+            <a:off x="611560" y="3056546"/>
             <a:ext cx="7065785" cy="3477799"/>
           </a:xfrm>
           <a:prstGeom prst="rect">
